--- a/slides/07_ML_Classification.pptx
+++ b/slides/07_ML_Classification.pptx
@@ -5,7 +5,7 @@
     <p:sldMasterId id="2147483648" r:id="rId1"/>
   </p:sldMasterIdLst>
   <p:notesMasterIdLst>
-    <p:notesMasterId r:id="rId11"/>
+    <p:notesMasterId r:id="rId12"/>
   </p:notesMasterIdLst>
   <p:sldIdLst>
     <p:sldId id="335" r:id="rId2"/>
@@ -17,6 +17,7 @@
     <p:sldId id="338" r:id="rId8"/>
     <p:sldId id="344" r:id="rId9"/>
     <p:sldId id="339" r:id="rId10"/>
+    <p:sldId id="345" r:id="rId11"/>
   </p:sldIdLst>
   <p:sldSz cx="12192000" cy="6858000"/>
   <p:notesSz cx="6858000" cy="9144000"/>
@@ -205,7 +206,7 @@
           <a:p>
             <a:fld id="{7B6EC019-8BE9-4716-A045-AB4F46EC50AD}" type="datetimeFigureOut">
               <a:rPr lang="en-US" smtClean="0"/>
-              <a:t>4/30/2020</a:t>
+              <a:t>5/4/2020</a:t>
             </a:fld>
             <a:endParaRPr lang="en-US"/>
           </a:p>
@@ -915,7 +916,7 @@
           <a:p>
             <a:fld id="{5F6D1571-7249-4A7C-B463-A862308C856B}" type="datetimeFigureOut">
               <a:rPr lang="en-US" smtClean="0"/>
-              <a:t>4/30/2020</a:t>
+              <a:t>5/4/2020</a:t>
             </a:fld>
             <a:endParaRPr lang="en-US"/>
           </a:p>
@@ -1113,7 +1114,7 @@
           <a:p>
             <a:fld id="{5F6D1571-7249-4A7C-B463-A862308C856B}" type="datetimeFigureOut">
               <a:rPr lang="en-US" smtClean="0"/>
-              <a:t>4/30/2020</a:t>
+              <a:t>5/4/2020</a:t>
             </a:fld>
             <a:endParaRPr lang="en-US"/>
           </a:p>
@@ -1321,7 +1322,7 @@
           <a:p>
             <a:fld id="{5F6D1571-7249-4A7C-B463-A862308C856B}" type="datetimeFigureOut">
               <a:rPr lang="en-US" smtClean="0"/>
-              <a:t>4/30/2020</a:t>
+              <a:t>5/4/2020</a:t>
             </a:fld>
             <a:endParaRPr lang="en-US"/>
           </a:p>
@@ -1519,7 +1520,7 @@
           <a:p>
             <a:fld id="{5F6D1571-7249-4A7C-B463-A862308C856B}" type="datetimeFigureOut">
               <a:rPr lang="en-US" smtClean="0"/>
-              <a:t>4/30/2020</a:t>
+              <a:t>5/4/2020</a:t>
             </a:fld>
             <a:endParaRPr lang="en-US"/>
           </a:p>
@@ -1794,7 +1795,7 @@
           <a:p>
             <a:fld id="{5F6D1571-7249-4A7C-B463-A862308C856B}" type="datetimeFigureOut">
               <a:rPr lang="en-US" smtClean="0"/>
-              <a:t>4/30/2020</a:t>
+              <a:t>5/4/2020</a:t>
             </a:fld>
             <a:endParaRPr lang="en-US"/>
           </a:p>
@@ -2059,7 +2060,7 @@
           <a:p>
             <a:fld id="{5F6D1571-7249-4A7C-B463-A862308C856B}" type="datetimeFigureOut">
               <a:rPr lang="en-US" smtClean="0"/>
-              <a:t>4/30/2020</a:t>
+              <a:t>5/4/2020</a:t>
             </a:fld>
             <a:endParaRPr lang="en-US"/>
           </a:p>
@@ -2471,7 +2472,7 @@
           <a:p>
             <a:fld id="{5F6D1571-7249-4A7C-B463-A862308C856B}" type="datetimeFigureOut">
               <a:rPr lang="en-US" smtClean="0"/>
-              <a:t>4/30/2020</a:t>
+              <a:t>5/4/2020</a:t>
             </a:fld>
             <a:endParaRPr lang="en-US"/>
           </a:p>
@@ -2612,7 +2613,7 @@
           <a:p>
             <a:fld id="{5F6D1571-7249-4A7C-B463-A862308C856B}" type="datetimeFigureOut">
               <a:rPr lang="en-US" smtClean="0"/>
-              <a:t>4/30/2020</a:t>
+              <a:t>5/4/2020</a:t>
             </a:fld>
             <a:endParaRPr lang="en-US"/>
           </a:p>
@@ -2725,7 +2726,7 @@
           <a:p>
             <a:fld id="{5F6D1571-7249-4A7C-B463-A862308C856B}" type="datetimeFigureOut">
               <a:rPr lang="en-US" smtClean="0"/>
-              <a:t>4/30/2020</a:t>
+              <a:t>5/4/2020</a:t>
             </a:fld>
             <a:endParaRPr lang="en-US"/>
           </a:p>
@@ -3036,7 +3037,7 @@
           <a:p>
             <a:fld id="{5F6D1571-7249-4A7C-B463-A862308C856B}" type="datetimeFigureOut">
               <a:rPr lang="en-US" smtClean="0"/>
-              <a:t>4/30/2020</a:t>
+              <a:t>5/4/2020</a:t>
             </a:fld>
             <a:endParaRPr lang="en-US"/>
           </a:p>
@@ -3324,7 +3325,7 @@
           <a:p>
             <a:fld id="{5F6D1571-7249-4A7C-B463-A862308C856B}" type="datetimeFigureOut">
               <a:rPr lang="en-US" smtClean="0"/>
-              <a:t>4/30/2020</a:t>
+              <a:t>5/4/2020</a:t>
             </a:fld>
             <a:endParaRPr lang="en-US"/>
           </a:p>
@@ -3565,7 +3566,7 @@
           <a:p>
             <a:fld id="{5F6D1571-7249-4A7C-B463-A862308C856B}" type="datetimeFigureOut">
               <a:rPr lang="en-US" smtClean="0"/>
-              <a:t>4/30/2020</a:t>
+              <a:t>5/4/2020</a:t>
             </a:fld>
             <a:endParaRPr lang="en-US"/>
           </a:p>
@@ -4301,6 +4302,195 @@
   </p:cSld>
   <p:clrMapOvr>
     <a:overrideClrMapping bg1="dk1" tx1="lt1" bg2="dk2" tx2="lt2" accent1="accent1" accent2="accent2" accent3="accent3" accent4="accent4" accent5="accent5" accent6="accent6" hlink="hlink" folHlink="folHlink"/>
+  </p:clrMapOvr>
+</p:sld>
+</file>
+
+<file path=ppt/slides/slide10.xml><?xml version="1.0" encoding="utf-8"?>
+<p:sld xmlns:a="http://schemas.openxmlformats.org/drawingml/2006/main" xmlns:r="http://schemas.openxmlformats.org/officeDocument/2006/relationships" xmlns:p="http://schemas.openxmlformats.org/presentationml/2006/main">
+  <p:cSld>
+    <p:spTree>
+      <p:nvGrpSpPr>
+        <p:cNvPr id="1" name=""/>
+        <p:cNvGrpSpPr/>
+        <p:nvPr/>
+      </p:nvGrpSpPr>
+      <p:grpSpPr>
+        <a:xfrm>
+          <a:off x="0" y="0"/>
+          <a:ext cx="0" cy="0"/>
+          <a:chOff x="0" y="0"/>
+          <a:chExt cx="0" cy="0"/>
+        </a:xfrm>
+      </p:grpSpPr>
+      <p:pic>
+        <p:nvPicPr>
+          <p:cNvPr id="1028" name="Picture 4">
+            <a:extLst>
+              <a:ext uri="{FF2B5EF4-FFF2-40B4-BE49-F238E27FC236}">
+                <a16:creationId xmlns:a16="http://schemas.microsoft.com/office/drawing/2014/main" id="{322BF2CA-1AD7-4A27-98F0-79BEC83D0571}"/>
+              </a:ext>
+            </a:extLst>
+          </p:cNvPr>
+          <p:cNvPicPr>
+            <a:picLocks noChangeAspect="1" noChangeArrowheads="1"/>
+          </p:cNvPicPr>
+          <p:nvPr/>
+        </p:nvPicPr>
+        <p:blipFill>
+          <a:blip r:embed="rId2">
+            <a:extLst>
+              <a:ext uri="{28A0092B-C50C-407E-A947-70E740481C1C}">
+                <a14:useLocalDpi xmlns:a14="http://schemas.microsoft.com/office/drawing/2010/main" val="0"/>
+              </a:ext>
+            </a:extLst>
+          </a:blip>
+          <a:srcRect/>
+          <a:stretch>
+            <a:fillRect/>
+          </a:stretch>
+        </p:blipFill>
+        <p:spPr bwMode="auto">
+          <a:xfrm>
+            <a:off x="5607979" y="3260725"/>
+            <a:ext cx="4704185" cy="3073400"/>
+          </a:xfrm>
+          <a:prstGeom prst="rect">
+            <a:avLst/>
+          </a:prstGeom>
+          <a:noFill/>
+          <a:extLst>
+            <a:ext uri="{909E8E84-426E-40DD-AFC4-6F175D3DCCD1}">
+              <a14:hiddenFill xmlns:a14="http://schemas.microsoft.com/office/drawing/2010/main">
+                <a:solidFill>
+                  <a:srgbClr val="FFFFFF"/>
+                </a:solidFill>
+              </a14:hiddenFill>
+            </a:ext>
+          </a:extLst>
+        </p:spPr>
+      </p:pic>
+      <p:pic>
+        <p:nvPicPr>
+          <p:cNvPr id="1026" name="Picture 2">
+            <a:extLst>
+              <a:ext uri="{FF2B5EF4-FFF2-40B4-BE49-F238E27FC236}">
+                <a16:creationId xmlns:a16="http://schemas.microsoft.com/office/drawing/2014/main" id="{D6AF8B26-E5AB-4363-81BC-CEB8B34BDE5A}"/>
+              </a:ext>
+            </a:extLst>
+          </p:cNvPr>
+          <p:cNvPicPr>
+            <a:picLocks noChangeAspect="1" noChangeArrowheads="1"/>
+          </p:cNvPicPr>
+          <p:nvPr/>
+        </p:nvPicPr>
+        <p:blipFill>
+          <a:blip r:embed="rId3">
+            <a:extLst>
+              <a:ext uri="{28A0092B-C50C-407E-A947-70E740481C1C}">
+                <a14:useLocalDpi xmlns:a14="http://schemas.microsoft.com/office/drawing/2010/main" val="0"/>
+              </a:ext>
+            </a:extLst>
+          </a:blip>
+          <a:srcRect/>
+          <a:stretch>
+            <a:fillRect/>
+          </a:stretch>
+        </p:blipFill>
+        <p:spPr bwMode="auto">
+          <a:xfrm>
+            <a:off x="1547284" y="1117601"/>
+            <a:ext cx="6286500" cy="2905125"/>
+          </a:xfrm>
+          <a:prstGeom prst="rect">
+            <a:avLst/>
+          </a:prstGeom>
+          <a:noFill/>
+          <a:extLst>
+            <a:ext uri="{909E8E84-426E-40DD-AFC4-6F175D3DCCD1}">
+              <a14:hiddenFill xmlns:a14="http://schemas.microsoft.com/office/drawing/2010/main">
+                <a:solidFill>
+                  <a:srgbClr val="FFFFFF"/>
+                </a:solidFill>
+              </a14:hiddenFill>
+            </a:ext>
+          </a:extLst>
+        </p:spPr>
+      </p:pic>
+      <p:sp>
+        <p:nvSpPr>
+          <p:cNvPr id="2" name="Rectangle 1">
+            <a:extLst>
+              <a:ext uri="{FF2B5EF4-FFF2-40B4-BE49-F238E27FC236}">
+                <a16:creationId xmlns:a16="http://schemas.microsoft.com/office/drawing/2014/main" id="{EB6AA6B6-C271-49EC-8769-36C871A474A8}"/>
+              </a:ext>
+            </a:extLst>
+          </p:cNvPr>
+          <p:cNvSpPr/>
+          <p:nvPr/>
+        </p:nvSpPr>
+        <p:spPr>
+          <a:xfrm>
+            <a:off x="2692636" y="6334125"/>
+            <a:ext cx="9296401" cy="369332"/>
+          </a:xfrm>
+          <a:prstGeom prst="rect">
+            <a:avLst/>
+          </a:prstGeom>
+        </p:spPr>
+        <p:txBody>
+          <a:bodyPr wrap="square">
+            <a:spAutoFit/>
+          </a:bodyPr>
+          <a:lstStyle/>
+          <a:p>
+            <a:r>
+              <a:rPr lang="en-US" dirty="0">
+                <a:hlinkClick r:id="rId4"/>
+              </a:rPr>
+              <a:t>https://www.geeksforgeeks.org/object-detection-vs-object-recognition-vs-image-segmentation/</a:t>
+            </a:r>
+            <a:endParaRPr lang="en-US" dirty="0"/>
+          </a:p>
+        </p:txBody>
+      </p:sp>
+      <p:sp>
+        <p:nvSpPr>
+          <p:cNvPr id="3" name="Title 2">
+            <a:extLst>
+              <a:ext uri="{FF2B5EF4-FFF2-40B4-BE49-F238E27FC236}">
+                <a16:creationId xmlns:a16="http://schemas.microsoft.com/office/drawing/2014/main" id="{36E13EBA-7F58-45EC-9C69-B7CEC8FA48A8}"/>
+              </a:ext>
+            </a:extLst>
+          </p:cNvPr>
+          <p:cNvSpPr>
+            <a:spLocks noGrp="1"/>
+          </p:cNvSpPr>
+          <p:nvPr>
+            <p:ph type="title"/>
+          </p:nvPr>
+        </p:nvSpPr>
+        <p:spPr/>
+        <p:txBody>
+          <a:bodyPr/>
+          <a:lstStyle/>
+          <a:p>
+            <a:r>
+              <a:rPr lang="en-US" dirty="0"/>
+              <a:t>Going further</a:t>
+            </a:r>
+          </a:p>
+        </p:txBody>
+      </p:sp>
+    </p:spTree>
+    <p:extLst>
+      <p:ext uri="{BB962C8B-B14F-4D97-AF65-F5344CB8AC3E}">
+        <p14:creationId xmlns:p14="http://schemas.microsoft.com/office/powerpoint/2010/main" val="130504688"/>
+      </p:ext>
+    </p:extLst>
+  </p:cSld>
+  <p:clrMapOvr>
+    <a:masterClrMapping/>
   </p:clrMapOvr>
 </p:sld>
 </file>
